--- a/Programming Assignment 3/Takehomequiz3.pptx
+++ b/Programming Assignment 3/Takehomequiz3.pptx
@@ -263,6 +263,11 @@
       </a:defRPr>
     </a:lvl9pPr>
   </p:defaultTextStyle>
+  <p:extLst>
+    <p:ext uri="{EFAFB233-063F-42B5-8137-9DF3F51BA10A}">
+      <p15:sldGuideLst xmlns:p15="http://schemas.microsoft.com/office/powerpoint/2012/main"/>
+    </p:ext>
+  </p:extLst>
 </p:presentation>
 </file>
 
@@ -5339,7 +5344,7 @@
                   <a:srgbClr val="FF0000"/>
                 </a:solidFill>
               </a:rPr>
-              <a:t>Race Condition!</a:t>
+              <a:t>Deadlock Condition!</a:t>
             </a:r>
             <a:endParaRPr lang="en-IN" dirty="0">
               <a:solidFill>
@@ -5789,7 +5794,7 @@
           <a:p>
             <a:r>
               <a:rPr lang="en-IN" dirty="0"/>
-              <a:t>A1 = 1</a:t>
+              <a:t>a1 = 1</a:t>
             </a:r>
           </a:p>
           <a:p>
@@ -5972,7 +5977,7 @@
                   <a:srgbClr val="FF0000"/>
                 </a:solidFill>
               </a:rPr>
-              <a:t>Race Condition!</a:t>
+              <a:t>Deadlock Condition!</a:t>
             </a:r>
             <a:endParaRPr lang="en-IN" dirty="0">
               <a:solidFill>
@@ -6163,7 +6168,7 @@
           <a:p>
             <a:r>
               <a:rPr lang="en-IN" dirty="0"/>
-              <a:t>A1 = 1</a:t>
+              <a:t>a1 = 1</a:t>
             </a:r>
           </a:p>
           <a:p>
